--- a/カルシウム王子の冒険 予定+仕様書.pptx
+++ b/カルシウム王子の冒険 予定+仕様書.pptx
@@ -5,29 +5,30 @@
     <p:sldMasterId id="2147483658" r:id="rId4"/>
   </p:sldMasterIdLst>
   <p:notesMasterIdLst>
-    <p:notesMasterId r:id="rId22"/>
+    <p:notesMasterId r:id="rId23"/>
   </p:notesMasterIdLst>
   <p:handoutMasterIdLst>
-    <p:handoutMasterId r:id="rId23"/>
+    <p:handoutMasterId r:id="rId24"/>
   </p:handoutMasterIdLst>
   <p:sldIdLst>
     <p:sldId id="410" r:id="rId5"/>
     <p:sldId id="419" r:id="rId6"/>
     <p:sldId id="411" r:id="rId7"/>
     <p:sldId id="412" r:id="rId8"/>
-    <p:sldId id="414" r:id="rId9"/>
-    <p:sldId id="413" r:id="rId10"/>
-    <p:sldId id="415" r:id="rId11"/>
-    <p:sldId id="418" r:id="rId12"/>
-    <p:sldId id="426" r:id="rId13"/>
-    <p:sldId id="425" r:id="rId14"/>
-    <p:sldId id="427" r:id="rId15"/>
-    <p:sldId id="420" r:id="rId16"/>
-    <p:sldId id="421" r:id="rId17"/>
-    <p:sldId id="422" r:id="rId18"/>
-    <p:sldId id="423" r:id="rId19"/>
-    <p:sldId id="424" r:id="rId20"/>
-    <p:sldId id="398" r:id="rId21"/>
+    <p:sldId id="428" r:id="rId9"/>
+    <p:sldId id="414" r:id="rId10"/>
+    <p:sldId id="413" r:id="rId11"/>
+    <p:sldId id="415" r:id="rId12"/>
+    <p:sldId id="418" r:id="rId13"/>
+    <p:sldId id="426" r:id="rId14"/>
+    <p:sldId id="425" r:id="rId15"/>
+    <p:sldId id="427" r:id="rId16"/>
+    <p:sldId id="420" r:id="rId17"/>
+    <p:sldId id="421" r:id="rId18"/>
+    <p:sldId id="422" r:id="rId19"/>
+    <p:sldId id="423" r:id="rId20"/>
+    <p:sldId id="424" r:id="rId21"/>
+    <p:sldId id="398" r:id="rId22"/>
   </p:sldIdLst>
   <p:sldSz cx="12192000" cy="6858000"/>
   <p:notesSz cx="6858000" cy="9144000"/>
@@ -210,7 +211,7 @@
                 <a:latin typeface="Meiryo UI" panose="020B0604030504040204" pitchFamily="50" charset="-128"/>
                 <a:ea typeface="Meiryo UI" panose="020B0604030504040204" pitchFamily="50" charset="-128"/>
               </a:rPr>
-              <a:t>2025/5/3</a:t>
+              <a:t>2025/5/5</a:t>
             </a:fld>
             <a:endParaRPr lang="ja-JP" dirty="0">
               <a:latin typeface="Meiryo UI" panose="020B0604030504040204" pitchFamily="50" charset="-128"/>
@@ -453,7 +454,7 @@
               <a:rPr lang="ja-JP" altLang="en-US" smtClean="0">
                 <a:ea typeface="Meiryo UI" panose="020B0604030504040204" pitchFamily="50" charset="-128"/>
               </a:rPr>
-              <a:t>2025/5/3</a:t>
+              <a:t>2025/5/5</a:t>
             </a:fld>
             <a:endParaRPr dirty="0">
               <a:ea typeface="Meiryo UI" panose="020B0604030504040204" pitchFamily="50" charset="-128"/>
@@ -927,7 +928,7 @@
                 <a:latin typeface="Meiryo UI" panose="020B0604030504040204" pitchFamily="50" charset="-128"/>
                 <a:ea typeface="Meiryo UI" panose="020B0604030504040204" pitchFamily="50" charset="-128"/>
               </a:rPr>
-              <a:t>17</a:t>
+              <a:t>18</a:t>
             </a:fld>
             <a:endParaRPr lang="ja-JP" dirty="0">
               <a:latin typeface="Meiryo UI" panose="020B0604030504040204" pitchFamily="50" charset="-128"/>
@@ -10316,7 +10317,7 @@
           <p:cNvPr id="2" name="Title 1">
             <a:extLst>
               <a:ext uri="{FF2B5EF4-FFF2-40B4-BE49-F238E27FC236}">
-                <a16:creationId xmlns:a16="http://schemas.microsoft.com/office/drawing/2014/main" id="{72704CBF-AAA9-9F6C-E797-DC218EE3B257}"/>
+                <a16:creationId xmlns:a16="http://schemas.microsoft.com/office/drawing/2014/main" id="{BC5E23FF-47FC-2EC0-07D6-389D73F381BF}"/>
               </a:ext>
             </a:extLst>
           </p:cNvPr>
@@ -10334,7 +10335,7 @@
           <a:p>
             <a:r>
               <a:rPr kumimoji="1" lang="ja-JP" altLang="en-US" dirty="0"/>
-              <a:t>機能階層構造</a:t>
+              <a:t>機能リスト</a:t>
             </a:r>
           </a:p>
         </p:txBody>
@@ -10344,7 +10345,7 @@
           <p:cNvPr id="3" name="Content Placeholder 2">
             <a:extLst>
               <a:ext uri="{FF2B5EF4-FFF2-40B4-BE49-F238E27FC236}">
-                <a16:creationId xmlns:a16="http://schemas.microsoft.com/office/drawing/2014/main" id="{EBDDDD55-7590-36A8-AD2F-5249DF627519}"/>
+                <a16:creationId xmlns:a16="http://schemas.microsoft.com/office/drawing/2014/main" id="{923EC972-812F-C058-EAFE-75E0AC1E2EBD}"/>
               </a:ext>
             </a:extLst>
           </p:cNvPr>
@@ -10369,10 +10370,10 @@
       </p:sp>
       <p:pic>
         <p:nvPicPr>
-          <p:cNvPr id="5" name="Picture 4">
+          <p:cNvPr id="7" name="Picture 6">
             <a:extLst>
               <a:ext uri="{FF2B5EF4-FFF2-40B4-BE49-F238E27FC236}">
-                <a16:creationId xmlns:a16="http://schemas.microsoft.com/office/drawing/2014/main" id="{421A3900-982D-DAEE-9956-62CF9DAABD1B}"/>
+                <a16:creationId xmlns:a16="http://schemas.microsoft.com/office/drawing/2014/main" id="{9A1E8D45-FBF8-F992-CEF5-20451A46B673}"/>
               </a:ext>
             </a:extLst>
           </p:cNvPr>
@@ -10389,8 +10390,8 @@
         </p:blipFill>
         <p:spPr>
           <a:xfrm>
-            <a:off x="4125685" y="2977716"/>
-            <a:ext cx="3015057" cy="3238771"/>
+            <a:off x="4055645" y="3381624"/>
+            <a:ext cx="3836999" cy="2257058"/>
           </a:xfrm>
           <a:prstGeom prst="rect">
             <a:avLst/>
@@ -10400,7 +10401,7 @@
     </p:spTree>
     <p:extLst>
       <p:ext uri="{BB962C8B-B14F-4D97-AF65-F5344CB8AC3E}">
-        <p14:creationId xmlns:p14="http://schemas.microsoft.com/office/powerpoint/2010/main" val="2626455052"/>
+        <p14:creationId xmlns:p14="http://schemas.microsoft.com/office/powerpoint/2010/main" val="1950816673"/>
       </p:ext>
     </p:extLst>
   </p:cSld>
@@ -10432,7 +10433,7 @@
           <p:cNvPr id="2" name="Title 1">
             <a:extLst>
               <a:ext uri="{FF2B5EF4-FFF2-40B4-BE49-F238E27FC236}">
-                <a16:creationId xmlns:a16="http://schemas.microsoft.com/office/drawing/2014/main" id="{08C525FC-5098-883B-449B-168240A36C74}"/>
+                <a16:creationId xmlns:a16="http://schemas.microsoft.com/office/drawing/2014/main" id="{72704CBF-AAA9-9F6C-E797-DC218EE3B257}"/>
               </a:ext>
             </a:extLst>
           </p:cNvPr>
@@ -10450,25 +10451,8 @@
           <a:p>
             <a:r>
               <a:rPr kumimoji="1" lang="ja-JP" altLang="en-US" dirty="0"/>
-              <a:t>敵</a:t>
-            </a:r>
-            <a:r>
-              <a:rPr kumimoji="1" lang="en-US" altLang="ja-JP" dirty="0"/>
-              <a:t>1[</a:t>
-            </a:r>
-            <a:r>
-              <a:rPr kumimoji="1" lang="ja-JP" altLang="en-US" dirty="0">
-                <a:solidFill>
-                  <a:srgbClr val="FF0000"/>
-                </a:solidFill>
-              </a:rPr>
-              <a:t>必須</a:t>
-            </a:r>
-            <a:r>
-              <a:rPr kumimoji="1" lang="en-US" altLang="ja-JP" dirty="0"/>
-              <a:t>]</a:t>
-            </a:r>
-            <a:endParaRPr kumimoji="1" lang="ja-JP" altLang="en-US" dirty="0"/>
+              <a:t>機能階層構造</a:t>
+            </a:r>
           </a:p>
         </p:txBody>
       </p:sp>
@@ -10477,7 +10461,7 @@
           <p:cNvPr id="3" name="Content Placeholder 2">
             <a:extLst>
               <a:ext uri="{FF2B5EF4-FFF2-40B4-BE49-F238E27FC236}">
-                <a16:creationId xmlns:a16="http://schemas.microsoft.com/office/drawing/2014/main" id="{91B8A31A-30F6-A8C2-FBD0-412A35AD62C2}"/>
+                <a16:creationId xmlns:a16="http://schemas.microsoft.com/office/drawing/2014/main" id="{EBDDDD55-7590-36A8-AD2F-5249DF627519}"/>
               </a:ext>
             </a:extLst>
           </p:cNvPr>
@@ -10494,42 +10478,18 @@
           <a:lstStyle/>
           <a:p>
             <a:r>
-              <a:rPr lang="ja-JP" altLang="en-US" dirty="0"/>
-              <a:t>主人公を追尾</a:t>
-            </a:r>
-            <a:endParaRPr lang="en-US" altLang="ja-JP" dirty="0"/>
-          </a:p>
-          <a:p>
-            <a:r>
               <a:rPr kumimoji="1" lang="ja-JP" altLang="en-US" dirty="0"/>
-              <a:t>体当たり攻撃</a:t>
-            </a:r>
-            <a:endParaRPr kumimoji="1" lang="en-US" altLang="ja-JP" dirty="0"/>
-          </a:p>
-          <a:p>
-            <a:r>
-              <a:rPr lang="ja-JP" altLang="en-US" dirty="0"/>
-              <a:t>火の玉攻撃</a:t>
-            </a:r>
-            <a:endParaRPr lang="en-US" altLang="ja-JP" dirty="0"/>
-          </a:p>
-          <a:p>
-            <a:r>
-              <a:rPr kumimoji="1" lang="en-US" altLang="ja-JP" dirty="0"/>
-              <a:t>HP:5</a:t>
-            </a:r>
-          </a:p>
-          <a:p>
-            <a:endParaRPr kumimoji="1" lang="ja-JP" altLang="en-US" dirty="0"/>
+              <a:t>例</a:t>
+            </a:r>
           </a:p>
         </p:txBody>
       </p:sp>
       <p:pic>
         <p:nvPicPr>
-          <p:cNvPr id="4" name="Picture 3" descr="A pixelated video game character&#10;&#10;AI-generated content may be incorrect.">
+          <p:cNvPr id="5" name="Picture 4">
             <a:extLst>
               <a:ext uri="{FF2B5EF4-FFF2-40B4-BE49-F238E27FC236}">
-                <a16:creationId xmlns:a16="http://schemas.microsoft.com/office/drawing/2014/main" id="{86A1AFF4-ECD8-C3AC-D293-87A412FCA72E}"/>
+                <a16:creationId xmlns:a16="http://schemas.microsoft.com/office/drawing/2014/main" id="{421A3900-982D-DAEE-9956-62CF9DAABD1B}"/>
               </a:ext>
             </a:extLst>
           </p:cNvPr>
@@ -10539,21 +10499,15 @@
           <p:nvPr/>
         </p:nvPicPr>
         <p:blipFill>
-          <a:blip r:embed="rId2">
-            <a:extLst>
-              <a:ext uri="{28A0092B-C50C-407E-A947-70E740481C1C}">
-                <a14:useLocalDpi xmlns:a14="http://schemas.microsoft.com/office/drawing/2010/main" val="0"/>
-              </a:ext>
-            </a:extLst>
-          </a:blip>
+          <a:blip r:embed="rId2"/>
           <a:stretch>
             <a:fillRect/>
           </a:stretch>
         </p:blipFill>
         <p:spPr>
           <a:xfrm>
-            <a:off x="1088858" y="3155731"/>
-            <a:ext cx="2259898" cy="1452795"/>
+            <a:off x="4552806" y="518060"/>
+            <a:ext cx="5517626" cy="5927028"/>
           </a:xfrm>
           <a:prstGeom prst="rect">
             <a:avLst/>
@@ -10563,7 +10517,7 @@
     </p:spTree>
     <p:extLst>
       <p:ext uri="{BB962C8B-B14F-4D97-AF65-F5344CB8AC3E}">
-        <p14:creationId xmlns:p14="http://schemas.microsoft.com/office/powerpoint/2010/main" val="4183614355"/>
+        <p14:creationId xmlns:p14="http://schemas.microsoft.com/office/powerpoint/2010/main" val="2626455052"/>
       </p:ext>
     </p:extLst>
   </p:cSld>
@@ -10595,6 +10549,169 @@
           <p:cNvPr id="2" name="Title 1">
             <a:extLst>
               <a:ext uri="{FF2B5EF4-FFF2-40B4-BE49-F238E27FC236}">
+                <a16:creationId xmlns:a16="http://schemas.microsoft.com/office/drawing/2014/main" id="{08C525FC-5098-883B-449B-168240A36C74}"/>
+              </a:ext>
+            </a:extLst>
+          </p:cNvPr>
+          <p:cNvSpPr>
+            <a:spLocks noGrp="1"/>
+          </p:cNvSpPr>
+          <p:nvPr>
+            <p:ph type="title"/>
+          </p:nvPr>
+        </p:nvSpPr>
+        <p:spPr/>
+        <p:txBody>
+          <a:bodyPr/>
+          <a:lstStyle/>
+          <a:p>
+            <a:r>
+              <a:rPr kumimoji="1" lang="ja-JP" altLang="en-US" dirty="0"/>
+              <a:t>敵</a:t>
+            </a:r>
+            <a:r>
+              <a:rPr kumimoji="1" lang="en-US" altLang="ja-JP" dirty="0"/>
+              <a:t>1[</a:t>
+            </a:r>
+            <a:r>
+              <a:rPr kumimoji="1" lang="ja-JP" altLang="en-US" dirty="0">
+                <a:solidFill>
+                  <a:srgbClr val="FF0000"/>
+                </a:solidFill>
+              </a:rPr>
+              <a:t>必須</a:t>
+            </a:r>
+            <a:r>
+              <a:rPr kumimoji="1" lang="en-US" altLang="ja-JP" dirty="0"/>
+              <a:t>]</a:t>
+            </a:r>
+            <a:endParaRPr kumimoji="1" lang="ja-JP" altLang="en-US" dirty="0"/>
+          </a:p>
+        </p:txBody>
+      </p:sp>
+      <p:sp>
+        <p:nvSpPr>
+          <p:cNvPr id="3" name="Content Placeholder 2">
+            <a:extLst>
+              <a:ext uri="{FF2B5EF4-FFF2-40B4-BE49-F238E27FC236}">
+                <a16:creationId xmlns:a16="http://schemas.microsoft.com/office/drawing/2014/main" id="{91B8A31A-30F6-A8C2-FBD0-412A35AD62C2}"/>
+              </a:ext>
+            </a:extLst>
+          </p:cNvPr>
+          <p:cNvSpPr>
+            <a:spLocks noGrp="1"/>
+          </p:cNvSpPr>
+          <p:nvPr>
+            <p:ph sz="quarter" idx="13"/>
+          </p:nvPr>
+        </p:nvSpPr>
+        <p:spPr/>
+        <p:txBody>
+          <a:bodyPr/>
+          <a:lstStyle/>
+          <a:p>
+            <a:r>
+              <a:rPr lang="ja-JP" altLang="en-US" dirty="0"/>
+              <a:t>主人公を追尾</a:t>
+            </a:r>
+            <a:endParaRPr lang="en-US" altLang="ja-JP" dirty="0"/>
+          </a:p>
+          <a:p>
+            <a:r>
+              <a:rPr kumimoji="1" lang="ja-JP" altLang="en-US" dirty="0"/>
+              <a:t>体当たり攻撃</a:t>
+            </a:r>
+            <a:endParaRPr kumimoji="1" lang="en-US" altLang="ja-JP" dirty="0"/>
+          </a:p>
+          <a:p>
+            <a:r>
+              <a:rPr lang="ja-JP" altLang="en-US" dirty="0"/>
+              <a:t>火の玉攻撃</a:t>
+            </a:r>
+            <a:endParaRPr lang="en-US" altLang="ja-JP" dirty="0"/>
+          </a:p>
+          <a:p>
+            <a:r>
+              <a:rPr kumimoji="1" lang="en-US" altLang="ja-JP" dirty="0"/>
+              <a:t>HP:5</a:t>
+            </a:r>
+          </a:p>
+          <a:p>
+            <a:endParaRPr kumimoji="1" lang="ja-JP" altLang="en-US" dirty="0"/>
+          </a:p>
+        </p:txBody>
+      </p:sp>
+      <p:pic>
+        <p:nvPicPr>
+          <p:cNvPr id="4" name="Picture 3" descr="A pixelated video game character&#10;&#10;AI-generated content may be incorrect.">
+            <a:extLst>
+              <a:ext uri="{FF2B5EF4-FFF2-40B4-BE49-F238E27FC236}">
+                <a16:creationId xmlns:a16="http://schemas.microsoft.com/office/drawing/2014/main" id="{86A1AFF4-ECD8-C3AC-D293-87A412FCA72E}"/>
+              </a:ext>
+            </a:extLst>
+          </p:cNvPr>
+          <p:cNvPicPr>
+            <a:picLocks noChangeAspect="1"/>
+          </p:cNvPicPr>
+          <p:nvPr/>
+        </p:nvPicPr>
+        <p:blipFill>
+          <a:blip r:embed="rId2">
+            <a:extLst>
+              <a:ext uri="{28A0092B-C50C-407E-A947-70E740481C1C}">
+                <a14:useLocalDpi xmlns:a14="http://schemas.microsoft.com/office/drawing/2010/main" val="0"/>
+              </a:ext>
+            </a:extLst>
+          </a:blip>
+          <a:stretch>
+            <a:fillRect/>
+          </a:stretch>
+        </p:blipFill>
+        <p:spPr>
+          <a:xfrm>
+            <a:off x="1088858" y="3155731"/>
+            <a:ext cx="2259898" cy="1452795"/>
+          </a:xfrm>
+          <a:prstGeom prst="rect">
+            <a:avLst/>
+          </a:prstGeom>
+        </p:spPr>
+      </p:pic>
+    </p:spTree>
+    <p:extLst>
+      <p:ext uri="{BB962C8B-B14F-4D97-AF65-F5344CB8AC3E}">
+        <p14:creationId xmlns:p14="http://schemas.microsoft.com/office/powerpoint/2010/main" val="4183614355"/>
+      </p:ext>
+    </p:extLst>
+  </p:cSld>
+  <p:clrMapOvr>
+    <a:masterClrMapping/>
+  </p:clrMapOvr>
+</p:sld>
+</file>
+
+<file path=ppt/slides/slide13.xml><?xml version="1.0" encoding="utf-8"?>
+<p:sld xmlns:a="http://schemas.openxmlformats.org/drawingml/2006/main" xmlns:r="http://schemas.openxmlformats.org/officeDocument/2006/relationships" xmlns:p="http://schemas.openxmlformats.org/presentationml/2006/main">
+  <p:cSld>
+    <p:spTree>
+      <p:nvGrpSpPr>
+        <p:cNvPr id="1" name=""/>
+        <p:cNvGrpSpPr/>
+        <p:nvPr/>
+      </p:nvGrpSpPr>
+      <p:grpSpPr>
+        <a:xfrm>
+          <a:off x="0" y="0"/>
+          <a:ext cx="0" cy="0"/>
+          <a:chOff x="0" y="0"/>
+          <a:chExt cx="0" cy="0"/>
+        </a:xfrm>
+      </p:grpSpPr>
+      <p:sp>
+        <p:nvSpPr>
+          <p:cNvPr id="2" name="Title 1">
+            <a:extLst>
+              <a:ext uri="{FF2B5EF4-FFF2-40B4-BE49-F238E27FC236}">
                 <a16:creationId xmlns:a16="http://schemas.microsoft.com/office/drawing/2014/main" id="{99CBC021-3597-874A-D508-93DABAE4A816}"/>
               </a:ext>
             </a:extLst>
@@ -10667,7 +10784,7 @@
 </p:sld>
 </file>
 
-<file path=ppt/slides/slide13.xml><?xml version="1.0" encoding="utf-8"?>
+<file path=ppt/slides/slide14.xml><?xml version="1.0" encoding="utf-8"?>
 <p:sld xmlns:a="http://schemas.openxmlformats.org/drawingml/2006/main" xmlns:r="http://schemas.openxmlformats.org/officeDocument/2006/relationships" xmlns:p="http://schemas.openxmlformats.org/presentationml/2006/main">
   <p:cSld>
     <p:spTree>
@@ -11431,7 +11548,7 @@
 </p:sld>
 </file>
 
-<file path=ppt/slides/slide14.xml><?xml version="1.0" encoding="utf-8"?>
+<file path=ppt/slides/slide15.xml><?xml version="1.0" encoding="utf-8"?>
 <p:sld xmlns:a="http://schemas.openxmlformats.org/drawingml/2006/main" xmlns:r="http://schemas.openxmlformats.org/officeDocument/2006/relationships" xmlns:p="http://schemas.openxmlformats.org/presentationml/2006/main">
   <p:cSld>
     <p:spTree>
@@ -12322,7 +12439,7 @@
 </p:sld>
 </file>
 
-<file path=ppt/slides/slide15.xml><?xml version="1.0" encoding="utf-8"?>
+<file path=ppt/slides/slide16.xml><?xml version="1.0" encoding="utf-8"?>
 <p:sld xmlns:a="http://schemas.openxmlformats.org/drawingml/2006/main" xmlns:r="http://schemas.openxmlformats.org/officeDocument/2006/relationships" xmlns:p="http://schemas.openxmlformats.org/presentationml/2006/main">
   <p:cSld>
     <p:spTree>
@@ -13049,7 +13166,7 @@
 </p:sld>
 </file>
 
-<file path=ppt/slides/slide16.xml><?xml version="1.0" encoding="utf-8"?>
+<file path=ppt/slides/slide17.xml><?xml version="1.0" encoding="utf-8"?>
 <p:sld xmlns:a="http://schemas.openxmlformats.org/drawingml/2006/main" xmlns:r="http://schemas.openxmlformats.org/officeDocument/2006/relationships" xmlns:p="http://schemas.openxmlformats.org/presentationml/2006/main">
   <p:cSld>
     <p:spTree>
@@ -13670,7 +13787,7 @@
 </p:sld>
 </file>
 
-<file path=ppt/slides/slide17.xml><?xml version="1.0" encoding="utf-8"?>
+<file path=ppt/slides/slide18.xml><?xml version="1.0" encoding="utf-8"?>
 <p:sld xmlns:a="http://schemas.openxmlformats.org/drawingml/2006/main" xmlns:r="http://schemas.openxmlformats.org/officeDocument/2006/relationships" xmlns:p="http://schemas.openxmlformats.org/presentationml/2006/main">
   <p:cSld>
     <p:spTree>
@@ -14010,8 +14127,8 @@
               <a:t>古賀 残り時間 </a:t>
             </a:r>
             <a:r>
-              <a:rPr lang="en-US" altLang="ja-JP" dirty="0"/>
-              <a:t>7</a:t>
+              <a:rPr kumimoji="1" lang="en-US" altLang="ja-JP" dirty="0"/>
+              <a:t>4</a:t>
             </a:r>
             <a:r>
               <a:rPr kumimoji="1" lang="ja-JP" altLang="en-US" dirty="0"/>
@@ -14023,7 +14140,7 @@
             </a:r>
             <a:r>
               <a:rPr kumimoji="1" lang="ja-JP" altLang="en-US" dirty="0"/>
-              <a:t>日 </a:t>
+              <a:t>月 </a:t>
             </a:r>
             <a:r>
               <a:rPr kumimoji="1" lang="en-US" altLang="ja-JP" dirty="0"/>
@@ -14031,14 +14148,6 @@
             </a:r>
             <a:r>
               <a:rPr kumimoji="1" lang="ja-JP" altLang="en-US" dirty="0"/>
-              <a:t>時間 月 </a:t>
-            </a:r>
-            <a:r>
-              <a:rPr kumimoji="1" lang="en-US" altLang="ja-JP" dirty="0"/>
-              <a:t>3</a:t>
-            </a:r>
-            <a:r>
-              <a:rPr kumimoji="1" lang="ja-JP" altLang="en-US" dirty="0"/>
               <a:t>時間 火 </a:t>
             </a:r>
             <a:r>
@@ -14061,7 +14170,7 @@
             </a:r>
             <a:r>
               <a:rPr lang="en-US" altLang="ja-JP" dirty="0"/>
-              <a:t>27</a:t>
+              <a:t>24</a:t>
             </a:r>
             <a:r>
               <a:rPr lang="ja-JP" altLang="en-US" dirty="0"/>
@@ -14073,15 +14182,7 @@
             </a:r>
             <a:r>
               <a:rPr lang="ja-JP" altLang="en-US" dirty="0"/>
-              <a:t>日 </a:t>
-            </a:r>
-            <a:r>
-              <a:rPr lang="en-US" altLang="ja-JP" dirty="0"/>
-              <a:t>3</a:t>
-            </a:r>
-            <a:r>
-              <a:rPr lang="ja-JP" altLang="en-US" dirty="0"/>
-              <a:t>時間 月 </a:t>
+              <a:t>月 </a:t>
             </a:r>
             <a:r>
               <a:rPr lang="en-US" altLang="ja-JP" dirty="0"/>
@@ -14115,7 +14216,7 @@
             </a:r>
             <a:r>
               <a:rPr lang="en-US" altLang="ja-JP" dirty="0"/>
-              <a:t>27</a:t>
+              <a:t>24</a:t>
             </a:r>
             <a:r>
               <a:rPr lang="ja-JP" altLang="en-US" dirty="0"/>
@@ -14127,15 +14228,7 @@
             </a:r>
             <a:r>
               <a:rPr lang="ja-JP" altLang="en-US" dirty="0"/>
-              <a:t>日 </a:t>
-            </a:r>
-            <a:r>
-              <a:rPr lang="en-US" altLang="ja-JP" dirty="0"/>
-              <a:t>3</a:t>
-            </a:r>
-            <a:r>
-              <a:rPr lang="ja-JP" altLang="en-US" dirty="0"/>
-              <a:t>時間 月 </a:t>
+              <a:t>月 </a:t>
             </a:r>
             <a:r>
               <a:rPr lang="en-US" altLang="ja-JP" dirty="0"/>
@@ -14175,7 +14268,7 @@
               <a:t>→共同作業時間は残り</a:t>
             </a:r>
             <a:r>
-              <a:rPr lang="en-US" altLang="ja-JP" b="1" dirty="0">
+              <a:rPr kumimoji="1" lang="en-US" altLang="ja-JP" b="1" dirty="0">
                 <a:effectLst>
                   <a:outerShdw blurRad="38100" dist="38100" dir="2700000" algn="tl">
                     <a:srgbClr val="000000">
@@ -14184,7 +14277,7 @@
                   </a:outerShdw>
                 </a:effectLst>
               </a:rPr>
-              <a:t>7</a:t>
+              <a:t>4</a:t>
             </a:r>
             <a:r>
               <a:rPr kumimoji="1" lang="ja-JP" altLang="en-US" b="1" dirty="0">
@@ -14426,136 +14519,136 @@
           </a:p>
           <a:p>
             <a:r>
-              <a:rPr kumimoji="1" lang="ja-JP" altLang="en-US" dirty="0"/>
+              <a:rPr kumimoji="1" lang="ja-JP" altLang="en-US" strike="sngStrike" dirty="0"/>
               <a:t>レベルデザインの明確化</a:t>
             </a:r>
-            <a:endParaRPr kumimoji="1" lang="en-US" altLang="ja-JP" dirty="0"/>
+            <a:endParaRPr kumimoji="1" lang="en-US" altLang="ja-JP" strike="sngStrike" dirty="0"/>
           </a:p>
           <a:p>
             <a:pPr lvl="1"/>
             <a:r>
-              <a:rPr lang="ja-JP" altLang="en-US" dirty="0"/>
+              <a:rPr lang="ja-JP" altLang="en-US" strike="sngStrike" dirty="0"/>
               <a:t>クリア条件</a:t>
             </a:r>
             <a:r>
-              <a:rPr lang="en-US" altLang="ja-JP" dirty="0"/>
+              <a:rPr lang="en-US" altLang="ja-JP" strike="sngStrike" dirty="0"/>
               <a:t>(</a:t>
             </a:r>
             <a:r>
-              <a:rPr lang="ja-JP" altLang="en-US" dirty="0"/>
+              <a:rPr lang="ja-JP" altLang="en-US" strike="sngStrike" dirty="0"/>
               <a:t>時間・スコア・敵の殲滅</a:t>
             </a:r>
             <a:r>
-              <a:rPr lang="en-US" altLang="ja-JP" dirty="0" err="1"/>
+              <a:rPr lang="en-US" altLang="ja-JP" strike="sngStrike" dirty="0" err="1"/>
               <a:t>etc</a:t>
             </a:r>
             <a:r>
-              <a:rPr lang="en-US" altLang="ja-JP" dirty="0"/>
+              <a:rPr lang="en-US" altLang="ja-JP" strike="sngStrike" dirty="0"/>
               <a:t>…)</a:t>
             </a:r>
           </a:p>
           <a:p>
             <a:pPr lvl="1"/>
             <a:r>
-              <a:rPr lang="ja-JP" altLang="en-US" dirty="0"/>
+              <a:rPr lang="ja-JP" altLang="en-US" strike="sngStrike" dirty="0"/>
               <a:t>敵 ロジック</a:t>
             </a:r>
             <a:r>
-              <a:rPr lang="en-US" altLang="ja-JP" dirty="0"/>
+              <a:rPr lang="en-US" altLang="ja-JP" strike="sngStrike" dirty="0"/>
               <a:t>(</a:t>
             </a:r>
             <a:r>
-              <a:rPr lang="ja-JP" altLang="en-US" dirty="0"/>
+              <a:rPr lang="ja-JP" altLang="en-US" strike="sngStrike" dirty="0"/>
               <a:t>行動・出現</a:t>
             </a:r>
             <a:r>
-              <a:rPr lang="en-US" altLang="ja-JP" dirty="0"/>
+              <a:rPr lang="en-US" altLang="ja-JP" strike="sngStrike" dirty="0"/>
               <a:t>)</a:t>
             </a:r>
             <a:r>
-              <a:rPr lang="ja-JP" altLang="en-US" dirty="0"/>
+              <a:rPr lang="ja-JP" altLang="en-US" strike="sngStrike" dirty="0"/>
               <a:t>、パラメタ</a:t>
             </a:r>
             <a:r>
-              <a:rPr lang="en-US" altLang="ja-JP" dirty="0"/>
+              <a:rPr lang="en-US" altLang="ja-JP" strike="sngStrike" dirty="0"/>
               <a:t>(HP/</a:t>
             </a:r>
             <a:r>
-              <a:rPr lang="ja-JP" altLang="en-US" dirty="0"/>
+              <a:rPr lang="ja-JP" altLang="en-US" strike="sngStrike" dirty="0"/>
               <a:t>攻守力</a:t>
             </a:r>
             <a:r>
-              <a:rPr lang="en-US" altLang="ja-JP" dirty="0"/>
+              <a:rPr lang="en-US" altLang="ja-JP" strike="sngStrike" dirty="0"/>
               <a:t>/</a:t>
             </a:r>
             <a:r>
-              <a:rPr lang="ja-JP" altLang="en-US" dirty="0"/>
+              <a:rPr lang="ja-JP" altLang="en-US" strike="sngStrike" dirty="0"/>
               <a:t>攻撃方法</a:t>
             </a:r>
             <a:r>
-              <a:rPr lang="en-US" altLang="ja-JP" dirty="0"/>
+              <a:rPr lang="en-US" altLang="ja-JP" strike="sngStrike" dirty="0"/>
               <a:t>/</a:t>
             </a:r>
             <a:r>
-              <a:rPr lang="ja-JP" altLang="en-US" dirty="0"/>
+              <a:rPr lang="ja-JP" altLang="en-US" strike="sngStrike" dirty="0"/>
               <a:t>弾幕</a:t>
             </a:r>
             <a:r>
-              <a:rPr lang="en-US" altLang="ja-JP" dirty="0"/>
+              <a:rPr lang="en-US" altLang="ja-JP" strike="sngStrike" dirty="0"/>
               <a:t>)</a:t>
             </a:r>
             <a:r>
-              <a:rPr lang="ja-JP" altLang="en-US" dirty="0"/>
+              <a:rPr lang="ja-JP" altLang="en-US" strike="sngStrike" dirty="0"/>
               <a:t>など</a:t>
             </a:r>
-            <a:endParaRPr lang="en-US" altLang="ja-JP" dirty="0"/>
+            <a:endParaRPr lang="en-US" altLang="ja-JP" strike="sngStrike" dirty="0"/>
           </a:p>
           <a:p>
             <a:pPr lvl="1"/>
             <a:r>
-              <a:rPr lang="ja-JP" altLang="en-US" dirty="0"/>
+              <a:rPr lang="ja-JP" altLang="en-US" strike="sngStrike" dirty="0"/>
               <a:t>主人公 ロジック、パラメタ、アイテム</a:t>
             </a:r>
             <a:r>
-              <a:rPr lang="en-US" altLang="ja-JP" dirty="0"/>
+              <a:rPr lang="en-US" altLang="ja-JP" strike="sngStrike" dirty="0"/>
               <a:t>(</a:t>
             </a:r>
             <a:r>
-              <a:rPr lang="ja-JP" altLang="en-US" dirty="0"/>
+              <a:rPr lang="ja-JP" altLang="en-US" strike="sngStrike" dirty="0"/>
               <a:t>種類・出現</a:t>
             </a:r>
             <a:r>
-              <a:rPr lang="en-US" altLang="ja-JP" dirty="0"/>
+              <a:rPr lang="en-US" altLang="ja-JP" strike="sngStrike" dirty="0"/>
               <a:t>)</a:t>
             </a:r>
             <a:r>
-              <a:rPr lang="ja-JP" altLang="en-US" dirty="0"/>
+              <a:rPr lang="ja-JP" altLang="en-US" strike="sngStrike" dirty="0"/>
               <a:t>、コントロール</a:t>
             </a:r>
-            <a:endParaRPr lang="en-US" altLang="ja-JP" dirty="0"/>
-          </a:p>
-          <a:p>
-            <a:r>
-              <a:rPr lang="en-US" altLang="ja-JP" dirty="0"/>
+            <a:endParaRPr lang="en-US" altLang="ja-JP" strike="sngStrike" dirty="0"/>
+          </a:p>
+          <a:p>
+            <a:r>
+              <a:rPr lang="en-US" altLang="ja-JP" strike="sngStrike" dirty="0"/>
               <a:t>(</a:t>
             </a:r>
             <a:r>
-              <a:rPr lang="ja-JP" altLang="en-US" dirty="0"/>
+              <a:rPr lang="ja-JP" altLang="en-US" strike="sngStrike" dirty="0"/>
               <a:t>面接対策</a:t>
             </a:r>
             <a:r>
-              <a:rPr lang="en-US" altLang="ja-JP" dirty="0"/>
+              <a:rPr lang="en-US" altLang="ja-JP" strike="sngStrike" dirty="0"/>
               <a:t>)</a:t>
             </a:r>
             <a:r>
-              <a:rPr lang="ja-JP" altLang="en-US" dirty="0"/>
+              <a:rPr lang="ja-JP" altLang="en-US" strike="sngStrike" dirty="0"/>
               <a:t>このゲームの新規性を考えて必須仕様に入れる</a:t>
             </a:r>
-            <a:endParaRPr lang="en-US" altLang="ja-JP" dirty="0"/>
-          </a:p>
-          <a:p>
-            <a:r>
-              <a:rPr lang="en-US" altLang="ja-JP" dirty="0">
+            <a:endParaRPr lang="en-US" altLang="ja-JP" strike="sngStrike" dirty="0"/>
+          </a:p>
+          <a:p>
+            <a:r>
+              <a:rPr lang="en-US" altLang="ja-JP" strike="sngStrike" dirty="0">
                 <a:solidFill>
                   <a:srgbClr val="FF0000"/>
                 </a:solidFill>
@@ -14563,7 +14656,7 @@
               <a:t>[</a:t>
             </a:r>
             <a:r>
-              <a:rPr lang="ja-JP" altLang="en-US" b="1" dirty="0">
+              <a:rPr lang="ja-JP" altLang="en-US" b="1" strike="sngStrike" dirty="0">
                 <a:solidFill>
                   <a:srgbClr val="FF0000"/>
                 </a:solidFill>
@@ -14571,7 +14664,7 @@
               <a:t>必須仕様</a:t>
             </a:r>
             <a:r>
-              <a:rPr lang="en-US" altLang="ja-JP" dirty="0">
+              <a:rPr lang="en-US" altLang="ja-JP" strike="sngStrike" dirty="0">
                 <a:solidFill>
                   <a:srgbClr val="FF0000"/>
                 </a:solidFill>
@@ -14579,44 +14672,52 @@
               <a:t>]</a:t>
             </a:r>
             <a:r>
+              <a:rPr lang="ja-JP" altLang="en-US" strike="sngStrike" dirty="0">
+                <a:solidFill>
+                  <a:srgbClr val="FF0000"/>
+                </a:solidFill>
+              </a:rPr>
+              <a:t>と</a:t>
+            </a:r>
+            <a:r>
+              <a:rPr lang="en-US" altLang="ja-JP" strike="sngStrike" dirty="0">
+                <a:solidFill>
+                  <a:srgbClr val="FF0000"/>
+                </a:solidFill>
+              </a:rPr>
+              <a:t>[</a:t>
+            </a:r>
+            <a:r>
+              <a:rPr lang="ja-JP" altLang="en-US" b="1" strike="sngStrike" dirty="0">
+                <a:solidFill>
+                  <a:srgbClr val="FF0000"/>
+                </a:solidFill>
+              </a:rPr>
+              <a:t>努力仕様</a:t>
+            </a:r>
+            <a:r>
+              <a:rPr lang="en-US" altLang="ja-JP" strike="sngStrike" dirty="0">
+                <a:solidFill>
+                  <a:srgbClr val="FF0000"/>
+                </a:solidFill>
+              </a:rPr>
+              <a:t>]</a:t>
+            </a:r>
+            <a:r>
+              <a:rPr lang="ja-JP" altLang="en-US" strike="sngStrike" dirty="0">
+                <a:solidFill>
+                  <a:srgbClr val="FF0000"/>
+                </a:solidFill>
+              </a:rPr>
+              <a:t>の切り分け</a:t>
+            </a:r>
+            <a:r>
               <a:rPr lang="ja-JP" altLang="en-US" dirty="0">
                 <a:solidFill>
                   <a:srgbClr val="FF0000"/>
                 </a:solidFill>
               </a:rPr>
-              <a:t>と</a:t>
-            </a:r>
-            <a:r>
-              <a:rPr lang="en-US" altLang="ja-JP" dirty="0">
-                <a:solidFill>
-                  <a:srgbClr val="FF0000"/>
-                </a:solidFill>
-              </a:rPr>
-              <a:t>[</a:t>
-            </a:r>
-            <a:r>
-              <a:rPr lang="ja-JP" altLang="en-US" b="1" dirty="0">
-                <a:solidFill>
-                  <a:srgbClr val="FF0000"/>
-                </a:solidFill>
-              </a:rPr>
-              <a:t>努力仕様</a:t>
-            </a:r>
-            <a:r>
-              <a:rPr lang="en-US" altLang="ja-JP" dirty="0">
-                <a:solidFill>
-                  <a:srgbClr val="FF0000"/>
-                </a:solidFill>
-              </a:rPr>
-              <a:t>]</a:t>
-            </a:r>
-            <a:r>
-              <a:rPr lang="ja-JP" altLang="en-US" dirty="0">
-                <a:solidFill>
-                  <a:srgbClr val="FF0000"/>
-                </a:solidFill>
-              </a:rPr>
-              <a:t>の切り分け</a:t>
+              <a:t> </a:t>
             </a:r>
             <a:endParaRPr lang="en-US" altLang="ja-JP" dirty="0">
               <a:solidFill>
@@ -14626,25 +14727,25 @@
           </a:p>
           <a:p>
             <a:r>
-              <a:rPr lang="ja-JP" altLang="en-US" dirty="0"/>
+              <a:rPr lang="ja-JP" altLang="en-US" strike="sngStrike" dirty="0"/>
               <a:t>仕様の最終決定は古賀が行う</a:t>
             </a:r>
-            <a:endParaRPr lang="en-US" altLang="ja-JP" dirty="0"/>
-          </a:p>
-          <a:p>
-            <a:r>
-              <a:rPr lang="ja-JP" altLang="en-US" dirty="0"/>
+            <a:endParaRPr lang="en-US" altLang="ja-JP" strike="sngStrike" dirty="0"/>
+          </a:p>
+          <a:p>
+            <a:r>
+              <a:rPr lang="ja-JP" altLang="en-US" strike="sngStrike" dirty="0"/>
               <a:t>仕様をこの</a:t>
             </a:r>
             <a:r>
-              <a:rPr lang="en-US" altLang="ja-JP" dirty="0"/>
+              <a:rPr lang="en-US" altLang="ja-JP" strike="sngStrike" dirty="0"/>
               <a:t>PPT</a:t>
             </a:r>
             <a:r>
-              <a:rPr lang="ja-JP" altLang="en-US" dirty="0"/>
+              <a:rPr lang="ja-JP" altLang="en-US" strike="sngStrike" dirty="0"/>
               <a:t>に纏める</a:t>
             </a:r>
-            <a:endParaRPr lang="en-US" altLang="ja-JP" dirty="0"/>
+            <a:endParaRPr lang="en-US" altLang="ja-JP" strike="sngStrike" dirty="0"/>
           </a:p>
         </p:txBody>
       </p:sp>
@@ -14683,7 +14784,7 @@
           <p:cNvPr id="2" name="Title 1">
             <a:extLst>
               <a:ext uri="{FF2B5EF4-FFF2-40B4-BE49-F238E27FC236}">
-                <a16:creationId xmlns:a16="http://schemas.microsoft.com/office/drawing/2014/main" id="{321D156C-D842-9C38-452B-87F7B20EFF44}"/>
+                <a16:creationId xmlns:a16="http://schemas.microsoft.com/office/drawing/2014/main" id="{C6BD7C91-C3E4-FD36-9A3E-45F0301658E2}"/>
               </a:ext>
             </a:extLst>
           </p:cNvPr>
@@ -14700,9 +14801,10 @@
           <a:lstStyle/>
           <a:p>
             <a:r>
-              <a:rPr kumimoji="1" lang="ja-JP" altLang="en-US" dirty="0"/>
-              <a:t>宮田・桑澤 作業提案</a:t>
-            </a:r>
+              <a:rPr lang="ja-JP" altLang="en-US" dirty="0"/>
+              <a:t>古賀 作業提案</a:t>
+            </a:r>
+            <a:endParaRPr kumimoji="1" lang="ja-JP" altLang="en-US" dirty="0"/>
           </a:p>
         </p:txBody>
       </p:sp>
@@ -14711,7 +14813,7 @@
           <p:cNvPr id="3" name="Content Placeholder 2">
             <a:extLst>
               <a:ext uri="{FF2B5EF4-FFF2-40B4-BE49-F238E27FC236}">
-                <a16:creationId xmlns:a16="http://schemas.microsoft.com/office/drawing/2014/main" id="{134BA287-A93A-0342-03CB-6C74BA9B1EE6}"/>
+                <a16:creationId xmlns:a16="http://schemas.microsoft.com/office/drawing/2014/main" id="{EB4B2AE3-A49F-F4D5-7EBC-140AE64F17F5}"/>
               </a:ext>
             </a:extLst>
           </p:cNvPr>
@@ -14727,63 +14829,71 @@
           <a:bodyPr/>
           <a:lstStyle/>
           <a:p>
-            <a:r>
-              <a:rPr kumimoji="1" lang="ja-JP" altLang="en-US" dirty="0"/>
-              <a:t>宮田：プログラムリード</a:t>
-            </a:r>
-            <a:endParaRPr kumimoji="1" lang="en-US" altLang="ja-JP" dirty="0"/>
-          </a:p>
-          <a:p>
-            <a:pPr lvl="1"/>
-            <a:r>
-              <a:rPr kumimoji="1" lang="ja-JP" altLang="en-US" dirty="0"/>
-              <a:t>仕様を基にプログラムを実装</a:t>
-            </a:r>
-            <a:endParaRPr kumimoji="1" lang="en-US" altLang="ja-JP" dirty="0"/>
-          </a:p>
-          <a:p>
-            <a:pPr lvl="1"/>
+            <a:pPr marL="457200" indent="-457200">
+              <a:buFont typeface="+mj-lt"/>
+              <a:buAutoNum type="arabicPeriod"/>
+            </a:pPr>
+            <a:r>
+              <a:rPr lang="en-US" altLang="ja-JP" dirty="0"/>
+              <a:t>(</a:t>
+            </a:r>
             <a:r>
               <a:rPr lang="ja-JP" altLang="en-US" dirty="0"/>
-              <a:t>実装方法の決定については宮田が最終決定する</a:t>
+              <a:t>面接対策</a:t>
+            </a:r>
+            <a:r>
+              <a:rPr lang="en-US" altLang="ja-JP" dirty="0"/>
+              <a:t>)</a:t>
+            </a:r>
+            <a:r>
+              <a:rPr lang="ja-JP" altLang="en-US" dirty="0"/>
+              <a:t>このゲームの新規性を</a:t>
+            </a:r>
+            <a:r>
+              <a:rPr lang="en-US" altLang="ja-JP" dirty="0"/>
+              <a:t>1</a:t>
+            </a:r>
+            <a:r>
+              <a:rPr lang="ja-JP" altLang="en-US" dirty="0"/>
+              <a:t>つ考える</a:t>
+            </a:r>
+            <a:r>
+              <a:rPr lang="en-US" altLang="ja-JP" dirty="0"/>
+              <a:t>(</a:t>
+            </a:r>
+            <a:r>
+              <a:rPr lang="ja-JP" altLang="en-US" dirty="0"/>
+              <a:t>実装が簡単なもの</a:t>
+            </a:r>
+            <a:r>
+              <a:rPr lang="en-US" altLang="ja-JP" dirty="0"/>
+              <a:t>)</a:t>
+            </a:r>
+          </a:p>
+          <a:p>
+            <a:pPr marL="457200" indent="-457200">
+              <a:buFont typeface="+mj-lt"/>
+              <a:buAutoNum type="arabicPeriod"/>
+            </a:pPr>
+            <a:r>
+              <a:rPr lang="ja-JP" altLang="en-US" dirty="0"/>
+              <a:t>完成と呼ぶための最低限度の機能を定義する</a:t>
             </a:r>
             <a:endParaRPr lang="en-US" altLang="ja-JP" dirty="0"/>
           </a:p>
           <a:p>
-            <a:endParaRPr kumimoji="1" lang="en-US" altLang="ja-JP" dirty="0"/>
-          </a:p>
-          <a:p>
-            <a:r>
-              <a:rPr lang="ja-JP" altLang="en-US" dirty="0"/>
-              <a:t>桑澤：デザインリード・調整</a:t>
-            </a:r>
-            <a:endParaRPr lang="en-US" altLang="ja-JP" dirty="0"/>
-          </a:p>
-          <a:p>
-            <a:pPr lvl="1"/>
-            <a:r>
-              <a:rPr kumimoji="1" lang="ja-JP" altLang="en-US" dirty="0"/>
-              <a:t>仕様を基に画像等アセットを用意</a:t>
-            </a:r>
-            <a:endParaRPr kumimoji="1" lang="en-US" altLang="ja-JP" dirty="0"/>
-          </a:p>
-          <a:p>
-            <a:pPr lvl="1"/>
-            <a:r>
-              <a:rPr kumimoji="1" lang="en-US" altLang="ja-JP" dirty="0"/>
-              <a:t>2</a:t>
-            </a:r>
-            <a:r>
-              <a:rPr kumimoji="1" lang="ja-JP" altLang="en-US" dirty="0"/>
-              <a:t>人の補佐</a:t>
-            </a:r>
+            <a:pPr marL="457200" indent="-457200">
+              <a:buFont typeface="+mj-lt"/>
+              <a:buAutoNum type="arabicPeriod"/>
+            </a:pPr>
+            <a:endParaRPr kumimoji="1" lang="ja-JP" altLang="en-US" dirty="0"/>
           </a:p>
         </p:txBody>
       </p:sp>
     </p:spTree>
     <p:extLst>
       <p:ext uri="{BB962C8B-B14F-4D97-AF65-F5344CB8AC3E}">
-        <p14:creationId xmlns:p14="http://schemas.microsoft.com/office/powerpoint/2010/main" val="2083791705"/>
+        <p14:creationId xmlns:p14="http://schemas.microsoft.com/office/powerpoint/2010/main" val="1393066946"/>
       </p:ext>
     </p:extLst>
   </p:cSld>
@@ -14815,7 +14925,7 @@
           <p:cNvPr id="2" name="Title 1">
             <a:extLst>
               <a:ext uri="{FF2B5EF4-FFF2-40B4-BE49-F238E27FC236}">
-                <a16:creationId xmlns:a16="http://schemas.microsoft.com/office/drawing/2014/main" id="{77682637-B676-92AD-BB32-94FED74284AC}"/>
+                <a16:creationId xmlns:a16="http://schemas.microsoft.com/office/drawing/2014/main" id="{321D156C-D842-9C38-452B-87F7B20EFF44}"/>
               </a:ext>
             </a:extLst>
           </p:cNvPr>
@@ -14833,7 +14943,7 @@
           <a:p>
             <a:r>
               <a:rPr kumimoji="1" lang="ja-JP" altLang="en-US" dirty="0"/>
-              <a:t>今後の予定</a:t>
+              <a:t>宮田・桑澤 作業提案</a:t>
             </a:r>
           </a:p>
         </p:txBody>
@@ -14843,7 +14953,7 @@
           <p:cNvPr id="3" name="Content Placeholder 2">
             <a:extLst>
               <a:ext uri="{FF2B5EF4-FFF2-40B4-BE49-F238E27FC236}">
-                <a16:creationId xmlns:a16="http://schemas.microsoft.com/office/drawing/2014/main" id="{8E363902-D26B-50BF-4ACE-7E7E42D932C0}"/>
+                <a16:creationId xmlns:a16="http://schemas.microsoft.com/office/drawing/2014/main" id="{134BA287-A93A-0342-03CB-6C74BA9B1EE6}"/>
               </a:ext>
             </a:extLst>
           </p:cNvPr>
@@ -14861,86 +14971,61 @@
           <a:p>
             <a:r>
               <a:rPr kumimoji="1" lang="ja-JP" altLang="en-US" dirty="0"/>
-              <a:t>日曜</a:t>
-            </a:r>
+              <a:t>宮田：プログラムリード</a:t>
+            </a:r>
+            <a:endParaRPr kumimoji="1" lang="en-US" altLang="ja-JP" dirty="0"/>
+          </a:p>
+          <a:p>
+            <a:pPr lvl="1"/>
+            <a:r>
+              <a:rPr kumimoji="1" lang="ja-JP" altLang="en-US" dirty="0"/>
+              <a:t>仕様を基にプログラムを実装</a:t>
+            </a:r>
+            <a:endParaRPr kumimoji="1" lang="en-US" altLang="ja-JP" dirty="0"/>
+          </a:p>
+          <a:p>
+            <a:pPr lvl="1"/>
+            <a:r>
+              <a:rPr lang="ja-JP" altLang="en-US" dirty="0"/>
+              <a:t>実装方法の決定については宮田が最終決定する</a:t>
+            </a:r>
+            <a:endParaRPr lang="en-US" altLang="ja-JP" dirty="0"/>
+          </a:p>
+          <a:p>
+            <a:endParaRPr kumimoji="1" lang="en-US" altLang="ja-JP" dirty="0"/>
+          </a:p>
+          <a:p>
+            <a:r>
+              <a:rPr lang="ja-JP" altLang="en-US" dirty="0"/>
+              <a:t>桑澤：デザインリード・調整</a:t>
+            </a:r>
+            <a:endParaRPr lang="en-US" altLang="ja-JP" dirty="0"/>
+          </a:p>
+          <a:p>
+            <a:pPr lvl="1"/>
+            <a:r>
+              <a:rPr kumimoji="1" lang="ja-JP" altLang="en-US" dirty="0"/>
+              <a:t>仕様を基に画像等アセットを用意</a:t>
+            </a:r>
+            <a:endParaRPr kumimoji="1" lang="en-US" altLang="ja-JP" dirty="0"/>
+          </a:p>
+          <a:p>
+            <a:pPr lvl="1"/>
             <a:r>
               <a:rPr kumimoji="1" lang="en-US" altLang="ja-JP" dirty="0"/>
-              <a:t>(</a:t>
+              <a:t>2</a:t>
             </a:r>
             <a:r>
               <a:rPr kumimoji="1" lang="ja-JP" altLang="en-US" dirty="0"/>
-              <a:t>今日</a:t>
-            </a:r>
-            <a:r>
-              <a:rPr kumimoji="1" lang="en-US" altLang="ja-JP" dirty="0"/>
-              <a:t>)</a:t>
-            </a:r>
-            <a:r>
-              <a:rPr kumimoji="1" lang="ja-JP" altLang="en-US" dirty="0"/>
-              <a:t>：作業明確化</a:t>
-            </a:r>
-            <a:r>
-              <a:rPr kumimoji="1" lang="en-US" altLang="ja-JP" dirty="0"/>
-              <a:t>+</a:t>
-            </a:r>
-            <a:r>
-              <a:rPr lang="ja-JP" altLang="en-US" dirty="0"/>
-              <a:t>引き継ぎ</a:t>
-            </a:r>
-            <a:r>
-              <a:rPr lang="en-US" altLang="ja-JP" dirty="0"/>
-              <a:t>(</a:t>
-            </a:r>
-            <a:r>
-              <a:rPr lang="ja-JP" altLang="en-US" dirty="0"/>
-              <a:t>昨日のリファクタリング続き</a:t>
-            </a:r>
-            <a:r>
-              <a:rPr lang="en-US" altLang="ja-JP" dirty="0"/>
-              <a:t>)</a:t>
-            </a:r>
-            <a:endParaRPr kumimoji="1" lang="en-US" altLang="ja-JP" dirty="0"/>
-          </a:p>
-          <a:p>
-            <a:r>
-              <a:rPr lang="ja-JP" altLang="en-US" dirty="0"/>
-              <a:t>月曜日：必須仕様の実装完了</a:t>
-            </a:r>
-            <a:endParaRPr lang="en-US" altLang="ja-JP" dirty="0"/>
-          </a:p>
-          <a:p>
-            <a:r>
-              <a:rPr kumimoji="1" lang="ja-JP" altLang="en-US" dirty="0"/>
-              <a:t>火曜日：進捗確認</a:t>
-            </a:r>
-            <a:r>
-              <a:rPr kumimoji="1" lang="en-US" altLang="ja-JP" dirty="0"/>
-              <a:t>+</a:t>
-            </a:r>
-            <a:r>
-              <a:rPr kumimoji="1" lang="ja-JP" altLang="en-US" dirty="0"/>
-              <a:t>ブラッシュアップ＋努力仕様の実装</a:t>
-            </a:r>
-            <a:r>
-              <a:rPr kumimoji="1" lang="en-US" altLang="ja-JP" dirty="0"/>
-              <a:t>(</a:t>
-            </a:r>
-            <a:r>
-              <a:rPr kumimoji="1" lang="ja-JP" altLang="en-US" dirty="0"/>
-              <a:t>できる限り</a:t>
-            </a:r>
-            <a:r>
-              <a:rPr kumimoji="1" lang="en-US" altLang="ja-JP" dirty="0"/>
-              <a:t>)</a:t>
-            </a:r>
-            <a:endParaRPr kumimoji="1" lang="ja-JP" altLang="en-US" dirty="0"/>
+              <a:t>人の補佐</a:t>
+            </a:r>
           </a:p>
         </p:txBody>
       </p:sp>
     </p:spTree>
     <p:extLst>
       <p:ext uri="{BB962C8B-B14F-4D97-AF65-F5344CB8AC3E}">
-        <p14:creationId xmlns:p14="http://schemas.microsoft.com/office/powerpoint/2010/main" val="1172594691"/>
+        <p14:creationId xmlns:p14="http://schemas.microsoft.com/office/powerpoint/2010/main" val="2083791705"/>
       </p:ext>
     </p:extLst>
   </p:cSld>
@@ -14972,7 +15057,7 @@
           <p:cNvPr id="2" name="Title 1">
             <a:extLst>
               <a:ext uri="{FF2B5EF4-FFF2-40B4-BE49-F238E27FC236}">
-                <a16:creationId xmlns:a16="http://schemas.microsoft.com/office/drawing/2014/main" id="{18CDDA98-1487-D027-CEA9-D8254F1B15EE}"/>
+                <a16:creationId xmlns:a16="http://schemas.microsoft.com/office/drawing/2014/main" id="{77682637-B676-92AD-BB32-94FED74284AC}"/>
               </a:ext>
             </a:extLst>
           </p:cNvPr>
@@ -14990,7 +15075,7 @@
           <a:p>
             <a:r>
               <a:rPr kumimoji="1" lang="ja-JP" altLang="en-US" dirty="0"/>
-              <a:t>さいごに ゲーム制作の意義</a:t>
+              <a:t>今後の予定</a:t>
             </a:r>
           </a:p>
         </p:txBody>
@@ -15000,7 +15085,7 @@
           <p:cNvPr id="3" name="Content Placeholder 2">
             <a:extLst>
               <a:ext uri="{FF2B5EF4-FFF2-40B4-BE49-F238E27FC236}">
-                <a16:creationId xmlns:a16="http://schemas.microsoft.com/office/drawing/2014/main" id="{B1FA5807-ED20-33E4-02AD-CC3296DEE3B2}"/>
+                <a16:creationId xmlns:a16="http://schemas.microsoft.com/office/drawing/2014/main" id="{8E363902-D26B-50BF-4ACE-7E7E42D932C0}"/>
               </a:ext>
             </a:extLst>
           </p:cNvPr>
@@ -15018,50 +15103,86 @@
           <a:p>
             <a:r>
               <a:rPr kumimoji="1" lang="ja-JP" altLang="en-US" dirty="0"/>
-              <a:t>ゲーム制作は就活のための手段</a:t>
+              <a:t>日曜</a:t>
+            </a:r>
+            <a:r>
+              <a:rPr kumimoji="1" lang="en-US" altLang="ja-JP" dirty="0"/>
+              <a:t>(</a:t>
+            </a:r>
+            <a:r>
+              <a:rPr kumimoji="1" lang="ja-JP" altLang="en-US" dirty="0"/>
+              <a:t>今日</a:t>
+            </a:r>
+            <a:r>
+              <a:rPr kumimoji="1" lang="en-US" altLang="ja-JP" dirty="0"/>
+              <a:t>)</a:t>
+            </a:r>
+            <a:r>
+              <a:rPr kumimoji="1" lang="ja-JP" altLang="en-US" dirty="0"/>
+              <a:t>：作業明確化</a:t>
+            </a:r>
+            <a:r>
+              <a:rPr kumimoji="1" lang="en-US" altLang="ja-JP" dirty="0"/>
+              <a:t>+</a:t>
+            </a:r>
+            <a:r>
+              <a:rPr lang="ja-JP" altLang="en-US" dirty="0"/>
+              <a:t>引き継ぎ</a:t>
+            </a:r>
+            <a:r>
+              <a:rPr lang="en-US" altLang="ja-JP" dirty="0"/>
+              <a:t>(</a:t>
+            </a:r>
+            <a:r>
+              <a:rPr lang="ja-JP" altLang="en-US" dirty="0"/>
+              <a:t>昨日のリファクタリング続き</a:t>
+            </a:r>
+            <a:r>
+              <a:rPr lang="en-US" altLang="ja-JP" dirty="0"/>
+              <a:t>)</a:t>
             </a:r>
             <a:endParaRPr kumimoji="1" lang="en-US" altLang="ja-JP" dirty="0"/>
           </a:p>
           <a:p>
-            <a:pPr lvl="1"/>
+            <a:r>
+              <a:rPr lang="ja-JP" altLang="en-US" dirty="0"/>
+              <a:t>月曜日：必須仕様の実装完了</a:t>
+            </a:r>
+            <a:endParaRPr lang="en-US" altLang="ja-JP" dirty="0"/>
+          </a:p>
+          <a:p>
             <a:r>
               <a:rPr kumimoji="1" lang="ja-JP" altLang="en-US" dirty="0"/>
-              <a:t>完成物がなければスタートラインに立てない</a:t>
-            </a:r>
-            <a:endParaRPr kumimoji="1" lang="en-US" altLang="ja-JP" dirty="0"/>
-          </a:p>
-          <a:p>
-            <a:pPr lvl="2"/>
+              <a:t>火曜日：進捗確認</a:t>
+            </a:r>
+            <a:r>
+              <a:rPr kumimoji="1" lang="en-US" altLang="ja-JP" dirty="0"/>
+              <a:t>+</a:t>
+            </a:r>
             <a:r>
               <a:rPr kumimoji="1" lang="ja-JP" altLang="en-US" dirty="0"/>
-              <a:t>動かなければただのゴミ</a:t>
-            </a:r>
-            <a:endParaRPr kumimoji="1" lang="en-US" altLang="ja-JP" dirty="0"/>
-          </a:p>
-          <a:p>
-            <a:pPr lvl="1"/>
-            <a:r>
-              <a:rPr lang="ja-JP" altLang="en-US" dirty="0"/>
-              <a:t>それはそれとして思い出としてなんとか完成させたい</a:t>
-            </a:r>
-            <a:endParaRPr lang="en-US" altLang="ja-JP" dirty="0"/>
-          </a:p>
-          <a:p>
-            <a:pPr lvl="1"/>
-            <a:endParaRPr lang="en-US" altLang="ja-JP" dirty="0"/>
-          </a:p>
-          <a:p>
-            <a:r>
-              <a:rPr kumimoji="1" lang="ja-JP" altLang="en-US" b="1" dirty="0"/>
-              <a:t>いつかゲーム制作が目的になるように今頑張ろう</a:t>
-            </a:r>
+              <a:t>ブラッシュアップ＋努力仕様の実装</a:t>
+            </a:r>
+            <a:r>
+              <a:rPr kumimoji="1" lang="en-US" altLang="ja-JP" dirty="0"/>
+              <a:t>(</a:t>
+            </a:r>
+            <a:r>
+              <a:rPr kumimoji="1" lang="ja-JP" altLang="en-US" dirty="0"/>
+              <a:t>できる限り</a:t>
+            </a:r>
+            <a:r>
+              <a:rPr kumimoji="1" lang="en-US" altLang="ja-JP" dirty="0"/>
+              <a:t>)</a:t>
+            </a:r>
+            <a:endParaRPr kumimoji="1" lang="ja-JP" altLang="en-US" dirty="0"/>
           </a:p>
         </p:txBody>
       </p:sp>
     </p:spTree>
     <p:extLst>
       <p:ext uri="{BB962C8B-B14F-4D97-AF65-F5344CB8AC3E}">
-        <p14:creationId xmlns:p14="http://schemas.microsoft.com/office/powerpoint/2010/main" val="292188370"/>
+        <p14:creationId xmlns:p14="http://schemas.microsoft.com/office/powerpoint/2010/main" val="1172594691"/>
       </p:ext>
     </p:extLst>
   </p:cSld>
@@ -15093,7 +15214,7 @@
           <p:cNvPr id="2" name="Title 1">
             <a:extLst>
               <a:ext uri="{FF2B5EF4-FFF2-40B4-BE49-F238E27FC236}">
-                <a16:creationId xmlns:a16="http://schemas.microsoft.com/office/drawing/2014/main" id="{4E251A10-F5C2-696D-972E-51FDFEC0D1C9}"/>
+                <a16:creationId xmlns:a16="http://schemas.microsoft.com/office/drawing/2014/main" id="{18CDDA98-1487-D027-CEA9-D8254F1B15EE}"/>
               </a:ext>
             </a:extLst>
           </p:cNvPr>
@@ -15111,7 +15232,7 @@
           <a:p>
             <a:r>
               <a:rPr kumimoji="1" lang="ja-JP" altLang="en-US" dirty="0"/>
-              <a:t>仕様</a:t>
+              <a:t>さいごに ゲーム制作の意義</a:t>
             </a:r>
           </a:p>
         </p:txBody>
@@ -15121,7 +15242,7 @@
           <p:cNvPr id="3" name="Content Placeholder 2">
             <a:extLst>
               <a:ext uri="{FF2B5EF4-FFF2-40B4-BE49-F238E27FC236}">
-                <a16:creationId xmlns:a16="http://schemas.microsoft.com/office/drawing/2014/main" id="{36C23A30-6B25-53E7-02C1-EDEB15BAE6D6}"/>
+                <a16:creationId xmlns:a16="http://schemas.microsoft.com/office/drawing/2014/main" id="{B1FA5807-ED20-33E4-02AD-CC3296DEE3B2}"/>
               </a:ext>
             </a:extLst>
           </p:cNvPr>
@@ -15139,40 +15260,42 @@
           <a:p>
             <a:r>
               <a:rPr kumimoji="1" lang="ja-JP" altLang="en-US" dirty="0"/>
-              <a:t>機能リスト</a:t>
+              <a:t>ゲーム制作は就活のための手段</a:t>
             </a:r>
             <a:endParaRPr kumimoji="1" lang="en-US" altLang="ja-JP" dirty="0"/>
           </a:p>
           <a:p>
+            <a:pPr lvl="1"/>
             <a:r>
               <a:rPr kumimoji="1" lang="ja-JP" altLang="en-US" dirty="0"/>
-              <a:t>機能階層構造</a:t>
+              <a:t>完成物がなければスタートラインに立てない</a:t>
             </a:r>
             <a:endParaRPr kumimoji="1" lang="en-US" altLang="ja-JP" dirty="0"/>
           </a:p>
           <a:p>
+            <a:pPr lvl="2"/>
+            <a:r>
+              <a:rPr kumimoji="1" lang="ja-JP" altLang="en-US" dirty="0"/>
+              <a:t>動かなければただのゴミ</a:t>
+            </a:r>
+            <a:endParaRPr kumimoji="1" lang="en-US" altLang="ja-JP" dirty="0"/>
+          </a:p>
+          <a:p>
+            <a:pPr lvl="1"/>
             <a:r>
               <a:rPr lang="ja-JP" altLang="en-US" dirty="0"/>
-              <a:t>敵仕様</a:t>
-            </a:r>
-            <a:endParaRPr kumimoji="1" lang="en-US" altLang="ja-JP" dirty="0"/>
-          </a:p>
-          <a:p>
-            <a:r>
-              <a:rPr kumimoji="1" lang="en-US" altLang="ja-JP" dirty="0"/>
-              <a:t>(</a:t>
-            </a:r>
-            <a:r>
-              <a:rPr kumimoji="1" lang="ja-JP" altLang="en-US" dirty="0"/>
-              <a:t>参考</a:t>
-            </a:r>
-            <a:r>
-              <a:rPr kumimoji="1" lang="en-US" altLang="ja-JP" dirty="0"/>
-              <a:t>)</a:t>
-            </a:r>
-            <a:r>
-              <a:rPr kumimoji="1" lang="ja-JP" altLang="en-US" dirty="0"/>
-              <a:t>アセット一覧</a:t>
+              <a:t>それはそれとして思い出としてなんとか完成させたい</a:t>
+            </a:r>
+            <a:endParaRPr lang="en-US" altLang="ja-JP" dirty="0"/>
+          </a:p>
+          <a:p>
+            <a:pPr lvl="1"/>
+            <a:endParaRPr lang="en-US" altLang="ja-JP" dirty="0"/>
+          </a:p>
+          <a:p>
+            <a:r>
+              <a:rPr kumimoji="1" lang="ja-JP" altLang="en-US" b="1" dirty="0"/>
+              <a:t>いつかゲーム制作が目的になるように今頑張ろう</a:t>
             </a:r>
           </a:p>
         </p:txBody>
@@ -15180,7 +15303,7 @@
     </p:spTree>
     <p:extLst>
       <p:ext uri="{BB962C8B-B14F-4D97-AF65-F5344CB8AC3E}">
-        <p14:creationId xmlns:p14="http://schemas.microsoft.com/office/powerpoint/2010/main" val="2393945164"/>
+        <p14:creationId xmlns:p14="http://schemas.microsoft.com/office/powerpoint/2010/main" val="292188370"/>
       </p:ext>
     </p:extLst>
   </p:cSld>
@@ -15212,7 +15335,7 @@
           <p:cNvPr id="2" name="Title 1">
             <a:extLst>
               <a:ext uri="{FF2B5EF4-FFF2-40B4-BE49-F238E27FC236}">
-                <a16:creationId xmlns:a16="http://schemas.microsoft.com/office/drawing/2014/main" id="{BC5E23FF-47FC-2EC0-07D6-389D73F381BF}"/>
+                <a16:creationId xmlns:a16="http://schemas.microsoft.com/office/drawing/2014/main" id="{4E251A10-F5C2-696D-972E-51FDFEC0D1C9}"/>
               </a:ext>
             </a:extLst>
           </p:cNvPr>
@@ -15230,7 +15353,7 @@
           <a:p>
             <a:r>
               <a:rPr kumimoji="1" lang="ja-JP" altLang="en-US" dirty="0"/>
-              <a:t>機能リスト</a:t>
+              <a:t>仕様</a:t>
             </a:r>
           </a:p>
         </p:txBody>
@@ -15240,7 +15363,7 @@
           <p:cNvPr id="3" name="Content Placeholder 2">
             <a:extLst>
               <a:ext uri="{FF2B5EF4-FFF2-40B4-BE49-F238E27FC236}">
-                <a16:creationId xmlns:a16="http://schemas.microsoft.com/office/drawing/2014/main" id="{923EC972-812F-C058-EAFE-75E0AC1E2EBD}"/>
+                <a16:creationId xmlns:a16="http://schemas.microsoft.com/office/drawing/2014/main" id="{36C23A30-6B25-53E7-02C1-EDEB15BAE6D6}"/>
               </a:ext>
             </a:extLst>
           </p:cNvPr>
@@ -15258,45 +15381,48 @@
           <a:p>
             <a:r>
               <a:rPr kumimoji="1" lang="ja-JP" altLang="en-US" dirty="0"/>
-              <a:t>例</a:t>
+              <a:t>機能リスト</a:t>
+            </a:r>
+            <a:endParaRPr kumimoji="1" lang="en-US" altLang="ja-JP" dirty="0"/>
+          </a:p>
+          <a:p>
+            <a:r>
+              <a:rPr kumimoji="1" lang="ja-JP" altLang="en-US" dirty="0"/>
+              <a:t>機能階層構造</a:t>
+            </a:r>
+            <a:endParaRPr kumimoji="1" lang="en-US" altLang="ja-JP" dirty="0"/>
+          </a:p>
+          <a:p>
+            <a:r>
+              <a:rPr lang="ja-JP" altLang="en-US" dirty="0"/>
+              <a:t>敵仕様</a:t>
+            </a:r>
+            <a:endParaRPr kumimoji="1" lang="en-US" altLang="ja-JP" dirty="0"/>
+          </a:p>
+          <a:p>
+            <a:r>
+              <a:rPr kumimoji="1" lang="en-US" altLang="ja-JP" dirty="0"/>
+              <a:t>(</a:t>
+            </a:r>
+            <a:r>
+              <a:rPr kumimoji="1" lang="ja-JP" altLang="en-US" dirty="0"/>
+              <a:t>参考</a:t>
+            </a:r>
+            <a:r>
+              <a:rPr kumimoji="1" lang="en-US" altLang="ja-JP" dirty="0"/>
+              <a:t>)</a:t>
+            </a:r>
+            <a:r>
+              <a:rPr kumimoji="1" lang="ja-JP" altLang="en-US" dirty="0"/>
+              <a:t>アセット一覧</a:t>
             </a:r>
           </a:p>
         </p:txBody>
       </p:sp>
-      <p:pic>
-        <p:nvPicPr>
-          <p:cNvPr id="7" name="Picture 6">
-            <a:extLst>
-              <a:ext uri="{FF2B5EF4-FFF2-40B4-BE49-F238E27FC236}">
-                <a16:creationId xmlns:a16="http://schemas.microsoft.com/office/drawing/2014/main" id="{9A1E8D45-FBF8-F992-CEF5-20451A46B673}"/>
-              </a:ext>
-            </a:extLst>
-          </p:cNvPr>
-          <p:cNvPicPr>
-            <a:picLocks noChangeAspect="1"/>
-          </p:cNvPicPr>
-          <p:nvPr/>
-        </p:nvPicPr>
-        <p:blipFill>
-          <a:blip r:embed="rId2"/>
-          <a:stretch>
-            <a:fillRect/>
-          </a:stretch>
-        </p:blipFill>
-        <p:spPr>
-          <a:xfrm>
-            <a:off x="4055645" y="3381624"/>
-            <a:ext cx="3836999" cy="2257058"/>
-          </a:xfrm>
-          <a:prstGeom prst="rect">
-            <a:avLst/>
-          </a:prstGeom>
-        </p:spPr>
-      </p:pic>
     </p:spTree>
     <p:extLst>
       <p:ext uri="{BB962C8B-B14F-4D97-AF65-F5344CB8AC3E}">
-        <p14:creationId xmlns:p14="http://schemas.microsoft.com/office/powerpoint/2010/main" val="1950816673"/>
+        <p14:creationId xmlns:p14="http://schemas.microsoft.com/office/powerpoint/2010/main" val="2393945164"/>
       </p:ext>
     </p:extLst>
   </p:cSld>
@@ -16098,6 +16224,35 @@
 </file>
 
 <file path=customXml/item1.xml><?xml version="1.0" encoding="utf-8"?>
+<p:properties xmlns:p="http://schemas.microsoft.com/office/2006/metadata/properties" xmlns:xsi="http://www.w3.org/2001/XMLSchema-instance" xmlns:pc="http://schemas.microsoft.com/office/infopath/2007/PartnerControls">
+  <documentManagement>
+    <Background xmlns="71af3243-3dd4-4a8d-8c0d-dd76da1f02a5">false</Background>
+    <Status xmlns="71af3243-3dd4-4a8d-8c0d-dd76da1f02a5">Not started</Status>
+    <_ip_UnifiedCompliancePolicyUIAction xmlns="http://schemas.microsoft.com/sharepoint/v3" xsi:nil="true"/>
+    <Image xmlns="71af3243-3dd4-4a8d-8c0d-dd76da1f02a5">
+      <Url xsi:nil="true"/>
+      <Description xsi:nil="true"/>
+    </Image>
+    <_ip_UnifiedCompliancePolicyProperties xmlns="http://schemas.microsoft.com/sharepoint/v3" xsi:nil="true"/>
+    <ImageTagsTaxHTField xmlns="71af3243-3dd4-4a8d-8c0d-dd76da1f02a5">
+      <Terms xmlns="http://schemas.microsoft.com/office/infopath/2007/PartnerControls"/>
+    </ImageTagsTaxHTField>
+    <TaxCatchAll xmlns="230e9df3-be65-4c73-a93b-d1236ebd677e" xsi:nil="true"/>
+    <MediaServiceKeyPoints xmlns="71af3243-3dd4-4a8d-8c0d-dd76da1f02a5" xsi:nil="true"/>
+  </documentManagement>
+</p:properties>
+</file>
+
+<file path=customXml/item2.xml><?xml version="1.0" encoding="utf-8"?>
+<?mso-contentType ?>
+<FormTemplates xmlns="http://schemas.microsoft.com/sharepoint/v3/contenttype/forms">
+  <Display>DocumentLibraryForm</Display>
+  <Edit>DocumentLibraryForm</Edit>
+  <New>DocumentLibraryForm</New>
+</FormTemplates>
+</file>
+
+<file path=customXml/item3.xml><?xml version="1.0" encoding="utf-8"?>
 <ct:contentTypeSchema xmlns:ct="http://schemas.microsoft.com/office/2006/metadata/contentType" xmlns:ma="http://schemas.microsoft.com/office/2006/metadata/properties/metaAttributes" ct:_="" ma:_="" ma:contentTypeName="Document" ma:contentTypeID="0x01010079F111ED35F8CC479449609E8A0923A6" ma:contentTypeVersion="28" ma:contentTypeDescription="Create a new document." ma:contentTypeScope="" ma:versionID="60f5a4f2d2b0abadcf532d48ebf9cb71">
   <xsd:schema xmlns:xsd="http://www.w3.org/2001/XMLSchema" xmlns:xs="http://www.w3.org/2001/XMLSchema" xmlns:p="http://schemas.microsoft.com/office/2006/metadata/properties" xmlns:ns1="http://schemas.microsoft.com/sharepoint/v3" xmlns:ns2="71af3243-3dd4-4a8d-8c0d-dd76da1f02a5" xmlns:ns3="16c05727-aa75-4e4a-9b5f-8a80a1165891" xmlns:ns4="230e9df3-be65-4c73-a93b-d1236ebd677e" targetNamespace="http://schemas.microsoft.com/office/2006/metadata/properties" ma:root="true" ma:fieldsID="7dd78129e6a1811f84807ad11c651531" ns1:_="" ns2:_="" ns3:_="" ns4:_="">
     <xsd:import namespace="http://schemas.microsoft.com/sharepoint/v3"/>
@@ -16409,36 +16564,27 @@
 </ct:contentTypeSchema>
 </file>
 
-<file path=customXml/item2.xml><?xml version="1.0" encoding="utf-8"?>
-<p:properties xmlns:p="http://schemas.microsoft.com/office/2006/metadata/properties" xmlns:xsi="http://www.w3.org/2001/XMLSchema-instance" xmlns:pc="http://schemas.microsoft.com/office/infopath/2007/PartnerControls">
-  <documentManagement>
-    <Background xmlns="71af3243-3dd4-4a8d-8c0d-dd76da1f02a5">false</Background>
-    <Status xmlns="71af3243-3dd4-4a8d-8c0d-dd76da1f02a5">Not started</Status>
-    <_ip_UnifiedCompliancePolicyUIAction xmlns="http://schemas.microsoft.com/sharepoint/v3" xsi:nil="true"/>
-    <Image xmlns="71af3243-3dd4-4a8d-8c0d-dd76da1f02a5">
-      <Url xsi:nil="true"/>
-      <Description xsi:nil="true"/>
-    </Image>
-    <_ip_UnifiedCompliancePolicyProperties xmlns="http://schemas.microsoft.com/sharepoint/v3" xsi:nil="true"/>
-    <ImageTagsTaxHTField xmlns="71af3243-3dd4-4a8d-8c0d-dd76da1f02a5">
-      <Terms xmlns="http://schemas.microsoft.com/office/infopath/2007/PartnerControls"/>
-    </ImageTagsTaxHTField>
-    <TaxCatchAll xmlns="230e9df3-be65-4c73-a93b-d1236ebd677e" xsi:nil="true"/>
-    <MediaServiceKeyPoints xmlns="71af3243-3dd4-4a8d-8c0d-dd76da1f02a5" xsi:nil="true"/>
-  </documentManagement>
-</p:properties>
+<file path=customXml/itemProps1.xml><?xml version="1.0" encoding="utf-8"?>
+<ds:datastoreItem xmlns:ds="http://schemas.openxmlformats.org/officeDocument/2006/customXml" ds:itemID="{4F4B194E-8B30-4377-8C59-ECFB902D2A26}">
+  <ds:schemaRefs>
+    <ds:schemaRef ds:uri="http://schemas.microsoft.com/office/2006/metadata/properties"/>
+    <ds:schemaRef ds:uri="http://schemas.microsoft.com/office/infopath/2007/PartnerControls"/>
+    <ds:schemaRef ds:uri="71af3243-3dd4-4a8d-8c0d-dd76da1f02a5"/>
+    <ds:schemaRef ds:uri="http://schemas.microsoft.com/sharepoint/v3"/>
+    <ds:schemaRef ds:uri="230e9df3-be65-4c73-a93b-d1236ebd677e"/>
+  </ds:schemaRefs>
+</ds:datastoreItem>
 </file>
 
-<file path=customXml/item3.xml><?xml version="1.0" encoding="utf-8"?>
-<?mso-contentType ?>
-<FormTemplates xmlns="http://schemas.microsoft.com/sharepoint/v3/contenttype/forms">
-  <Display>DocumentLibraryForm</Display>
-  <Edit>DocumentLibraryForm</Edit>
-  <New>DocumentLibraryForm</New>
-</FormTemplates>
+<file path=customXml/itemProps2.xml><?xml version="1.0" encoding="utf-8"?>
+<ds:datastoreItem xmlns:ds="http://schemas.openxmlformats.org/officeDocument/2006/customXml" ds:itemID="{C21FFAC0-05A2-416A-B06C-C248395482CF}">
+  <ds:schemaRefs>
+    <ds:schemaRef ds:uri="http://schemas.microsoft.com/sharepoint/v3/contenttype/forms"/>
+  </ds:schemaRefs>
+</ds:datastoreItem>
 </file>
 
-<file path=customXml/itemProps1.xml><?xml version="1.0" encoding="utf-8"?>
+<file path=customXml/itemProps3.xml><?xml version="1.0" encoding="utf-8"?>
 <ds:datastoreItem xmlns:ds="http://schemas.openxmlformats.org/officeDocument/2006/customXml" ds:itemID="{92DB9E12-8AC3-4138-BF4D-720A5525AB10}">
   <ds:schemaRefs>
     <ds:schemaRef ds:uri="http://schemas.microsoft.com/office/2006/metadata/contentType"/>
@@ -16459,26 +16605,6 @@
 </ds:datastoreItem>
 </file>
 
-<file path=customXml/itemProps2.xml><?xml version="1.0" encoding="utf-8"?>
-<ds:datastoreItem xmlns:ds="http://schemas.openxmlformats.org/officeDocument/2006/customXml" ds:itemID="{4F4B194E-8B30-4377-8C59-ECFB902D2A26}">
-  <ds:schemaRefs>
-    <ds:schemaRef ds:uri="http://schemas.microsoft.com/office/2006/metadata/properties"/>
-    <ds:schemaRef ds:uri="http://schemas.microsoft.com/office/infopath/2007/PartnerControls"/>
-    <ds:schemaRef ds:uri="71af3243-3dd4-4a8d-8c0d-dd76da1f02a5"/>
-    <ds:schemaRef ds:uri="http://schemas.microsoft.com/sharepoint/v3"/>
-    <ds:schemaRef ds:uri="230e9df3-be65-4c73-a93b-d1236ebd677e"/>
-  </ds:schemaRefs>
-</ds:datastoreItem>
-</file>
-
-<file path=customXml/itemProps3.xml><?xml version="1.0" encoding="utf-8"?>
-<ds:datastoreItem xmlns:ds="http://schemas.openxmlformats.org/officeDocument/2006/customXml" ds:itemID="{C21FFAC0-05A2-416A-B06C-C248395482CF}">
-  <ds:schemaRefs>
-    <ds:schemaRef ds:uri="http://schemas.microsoft.com/sharepoint/v3/contenttype/forms"/>
-  </ds:schemaRefs>
-</ds:datastoreItem>
-</file>
-
 <file path=docMetadata/LabelInfo.xml><?xml version="1.0" encoding="utf-8"?>
 <clbl:labelList xmlns:clbl="http://schemas.microsoft.com/office/2020/mipLabelMetadata"/>
 </file>